--- a/2021-04-01-TwinCitiesDotNetUserGroup-TheBackgroundOnBackgroundTasksInDotNetCore/The Background on Background Tasks.pptx
+++ b/2021-04-01-TwinCitiesDotNetUserGroup-TheBackgroundOnBackgroundTasksInDotNetCore/The Background on Background Tasks.pptx
@@ -558,6 +558,34 @@
               <a:rPr lang="en-US" dirty="0"/>
               <a:t>docker-compose down &amp;&amp; docker-compose up</a:t>
             </a:r>
+          </a:p>
+          <a:p>
+            <a:pPr marL="0" marR="0" lvl="0" indent="0" algn="l" defTabSz="914400" rtl="0" eaLnBrk="1" fontAlgn="auto" latinLnBrk="0" hangingPunct="1">
+              <a:lnSpc>
+                <a:spcPct val="100000"/>
+              </a:lnSpc>
+              <a:spcBef>
+                <a:spcPts val="0"/>
+              </a:spcBef>
+              <a:spcAft>
+                <a:spcPts val="0"/>
+              </a:spcAft>
+              <a:buClrTx/>
+              <a:buSzTx/>
+              <a:buFontTx/>
+              <a:buNone/>
+              <a:tabLst/>
+              <a:defRPr/>
+            </a:pPr>
+            <a:r>
+              <a:rPr lang="en-US" dirty="0"/>
+              <a:t>New Database for </a:t>
+            </a:r>
+            <a:r>
+              <a:rPr lang="en-US"/>
+              <a:t>Hangfire</a:t>
+            </a:r>
+            <a:endParaRPr lang="en-US" dirty="0"/>
           </a:p>
           <a:p>
             <a:r>
@@ -19436,47 +19464,32 @@
       </p:grpSp>
       <p:pic>
         <p:nvPicPr>
-          <p:cNvPr id="5122" name="Picture 2">
+          <p:cNvPr id="12" name="Picture 11">
             <a:extLst>
               <a:ext uri="{FF2B5EF4-FFF2-40B4-BE49-F238E27FC236}">
-                <a16:creationId xmlns:a16="http://schemas.microsoft.com/office/drawing/2014/main" id="{7DC8EB6F-F850-4915-98F0-C355E60F54ED}"/>
+                <a16:creationId xmlns:a16="http://schemas.microsoft.com/office/drawing/2014/main" id="{2698C95C-CF38-48AF-B7F4-85655B5DA914}"/>
               </a:ext>
             </a:extLst>
           </p:cNvPr>
           <p:cNvPicPr>
-            <a:picLocks noChangeAspect="1" noChangeArrowheads="1"/>
+            <a:picLocks noChangeAspect="1"/>
           </p:cNvPicPr>
           <p:nvPr/>
         </p:nvPicPr>
-        <p:blipFill rotWithShape="1">
-          <a:blip r:embed="rId4">
-            <a:extLst>
-              <a:ext uri="{28A0092B-C50C-407E-A947-70E740481C1C}">
-                <a14:useLocalDpi xmlns:a14="http://schemas.microsoft.com/office/drawing/2010/main" val="0"/>
-              </a:ext>
-            </a:extLst>
-          </a:blip>
-          <a:srcRect b="3727"/>
-          <a:stretch/>
+        <p:blipFill>
+          <a:blip r:embed="rId4"/>
+          <a:stretch>
+            <a:fillRect/>
+          </a:stretch>
         </p:blipFill>
-        <p:spPr bwMode="auto">
+        <p:spPr>
           <a:xfrm>
-            <a:off x="1217531" y="3027652"/>
-            <a:ext cx="8753120" cy="2731880"/>
+            <a:off x="1627171" y="3328267"/>
+            <a:ext cx="7466667" cy="2857143"/>
           </a:xfrm>
           <a:prstGeom prst="rect">
             <a:avLst/>
           </a:prstGeom>
-          <a:noFill/>
-          <a:extLst>
-            <a:ext uri="{909E8E84-426E-40DD-AFC4-6F175D3DCCD1}">
-              <a14:hiddenFill xmlns:a14="http://schemas.microsoft.com/office/drawing/2010/main">
-                <a:solidFill>
-                  <a:srgbClr val="FFFFFF"/>
-                </a:solidFill>
-              </a14:hiddenFill>
-            </a:ext>
-          </a:extLst>
         </p:spPr>
       </p:pic>
     </p:spTree>

--- a/2021-04-01-TwinCitiesDotNetUserGroup-TheBackgroundOnBackgroundTasksInDotNetCore/The Background on Background Tasks.pptx
+++ b/2021-04-01-TwinCitiesDotNetUserGroup-TheBackgroundOnBackgroundTasksInDotNetCore/The Background on Background Tasks.pptx
@@ -582,7 +582,7 @@
               <a:t>New Database for </a:t>
             </a:r>
             <a:r>
-              <a:rPr lang="en-US"/>
+              <a:rPr lang="en-US" dirty="0" err="1"/>
               <a:t>Hangfire</a:t>
             </a:r>
             <a:endParaRPr lang="en-US" dirty="0"/>
@@ -24083,6 +24083,26 @@
                                       </p:cBhvr>
                                     </p:animEffect>
                                   </p:childTnLst>
+                                  <p:subTnLst>
+                                    <p:animClr clrSpc="rgb" dir="cw">
+                                      <p:cBhvr override="childStyle">
+                                        <p:cTn dur="1" fill="hold" display="0" masterRel="nextClick" afterEffect="1"/>
+                                        <p:tgtEl>
+                                          <p:spTgt spid="3">
+                                            <p:txEl>
+                                              <p:pRg st="0" end="0"/>
+                                            </p:txEl>
+                                          </p:spTgt>
+                                        </p:tgtEl>
+                                        <p:attrNameLst>
+                                          <p:attrName>ppt_c</p:attrName>
+                                        </p:attrNameLst>
+                                      </p:cBhvr>
+                                      <p:to>
+                                        <a:srgbClr val="B2B2B2"/>
+                                      </p:to>
+                                    </p:animClr>
+                                  </p:subTnLst>
                                 </p:cTn>
                               </p:par>
                             </p:childTnLst>
@@ -24144,6 +24164,26 @@
                                       </p:cBhvr>
                                     </p:animEffect>
                                   </p:childTnLst>
+                                  <p:subTnLst>
+                                    <p:animClr clrSpc="rgb" dir="cw">
+                                      <p:cBhvr override="childStyle">
+                                        <p:cTn dur="1" fill="hold" display="0" masterRel="nextClick" afterEffect="1"/>
+                                        <p:tgtEl>
+                                          <p:spTgt spid="3">
+                                            <p:txEl>
+                                              <p:pRg st="1" end="1"/>
+                                            </p:txEl>
+                                          </p:spTgt>
+                                        </p:tgtEl>
+                                        <p:attrNameLst>
+                                          <p:attrName>ppt_c</p:attrName>
+                                        </p:attrNameLst>
+                                      </p:cBhvr>
+                                      <p:to>
+                                        <a:srgbClr val="B2B2B2"/>
+                                      </p:to>
+                                    </p:animClr>
+                                  </p:subTnLst>
                                 </p:cTn>
                               </p:par>
                             </p:childTnLst>
@@ -24205,6 +24245,26 @@
                                       </p:cBhvr>
                                     </p:animEffect>
                                   </p:childTnLst>
+                                  <p:subTnLst>
+                                    <p:animClr clrSpc="rgb" dir="cw">
+                                      <p:cBhvr override="childStyle">
+                                        <p:cTn dur="1" fill="hold" display="0" masterRel="nextClick" afterEffect="1"/>
+                                        <p:tgtEl>
+                                          <p:spTgt spid="3">
+                                            <p:txEl>
+                                              <p:pRg st="2" end="2"/>
+                                            </p:txEl>
+                                          </p:spTgt>
+                                        </p:tgtEl>
+                                        <p:attrNameLst>
+                                          <p:attrName>ppt_c</p:attrName>
+                                        </p:attrNameLst>
+                                      </p:cBhvr>
+                                      <p:to>
+                                        <a:srgbClr val="B2B2B2"/>
+                                      </p:to>
+                                    </p:animClr>
+                                  </p:subTnLst>
                                 </p:cTn>
                               </p:par>
                             </p:childTnLst>
@@ -24266,6 +24326,26 @@
                                       </p:cBhvr>
                                     </p:animEffect>
                                   </p:childTnLst>
+                                  <p:subTnLst>
+                                    <p:animClr clrSpc="rgb" dir="cw">
+                                      <p:cBhvr override="childStyle">
+                                        <p:cTn dur="1" fill="hold" display="0" masterRel="nextClick" afterEffect="1"/>
+                                        <p:tgtEl>
+                                          <p:spTgt spid="3">
+                                            <p:txEl>
+                                              <p:pRg st="3" end="3"/>
+                                            </p:txEl>
+                                          </p:spTgt>
+                                        </p:tgtEl>
+                                        <p:attrNameLst>
+                                          <p:attrName>ppt_c</p:attrName>
+                                        </p:attrNameLst>
+                                      </p:cBhvr>
+                                      <p:to>
+                                        <a:srgbClr val="B2B2B2"/>
+                                      </p:to>
+                                    </p:animClr>
+                                  </p:subTnLst>
                                 </p:cTn>
                               </p:par>
                             </p:childTnLst>
@@ -25231,6 +25311,12 @@
               <a:t> party library</a:t>
             </a:r>
           </a:p>
+          <a:p>
+            <a:r>
+              <a:rPr lang="en-US" dirty="0"/>
+              <a:t>More control over what happens</a:t>
+            </a:r>
+          </a:p>
         </p:txBody>
       </p:sp>
       <p:grpSp>
@@ -25785,6 +25871,87 @@
                       </p:childTnLst>
                     </p:cTn>
                   </p:par>
+                  <p:par>
+                    <p:cTn id="18" fill="hold">
+                      <p:stCondLst>
+                        <p:cond delay="indefinite"/>
+                      </p:stCondLst>
+                      <p:childTnLst>
+                        <p:par>
+                          <p:cTn id="19" fill="hold">
+                            <p:stCondLst>
+                              <p:cond delay="0"/>
+                            </p:stCondLst>
+                            <p:childTnLst>
+                              <p:par>
+                                <p:cTn id="20" presetID="10" presetClass="entr" presetSubtype="0" fill="hold" grpId="0" nodeType="clickEffect">
+                                  <p:stCondLst>
+                                    <p:cond delay="0"/>
+                                  </p:stCondLst>
+                                  <p:childTnLst>
+                                    <p:set>
+                                      <p:cBhvr>
+                                        <p:cTn id="21" dur="1" fill="hold">
+                                          <p:stCondLst>
+                                            <p:cond delay="0"/>
+                                          </p:stCondLst>
+                                        </p:cTn>
+                                        <p:tgtEl>
+                                          <p:spTgt spid="3">
+                                            <p:txEl>
+                                              <p:pRg st="3" end="3"/>
+                                            </p:txEl>
+                                          </p:spTgt>
+                                        </p:tgtEl>
+                                        <p:attrNameLst>
+                                          <p:attrName>style.visibility</p:attrName>
+                                        </p:attrNameLst>
+                                      </p:cBhvr>
+                                      <p:to>
+                                        <p:strVal val="visible"/>
+                                      </p:to>
+                                    </p:set>
+                                    <p:animEffect transition="in" filter="fade">
+                                      <p:cBhvr>
+                                        <p:cTn id="22" dur="500"/>
+                                        <p:tgtEl>
+                                          <p:spTgt spid="3">
+                                            <p:txEl>
+                                              <p:pRg st="3" end="3"/>
+                                            </p:txEl>
+                                          </p:spTgt>
+                                        </p:tgtEl>
+                                      </p:cBhvr>
+                                    </p:animEffect>
+                                  </p:childTnLst>
+                                  <p:subTnLst>
+                                    <p:animClr clrSpc="rgb" dir="cw">
+                                      <p:cBhvr override="childStyle">
+                                        <p:cTn dur="1" fill="hold" display="0" masterRel="nextClick" afterEffect="1"/>
+                                        <p:tgtEl>
+                                          <p:spTgt spid="3">
+                                            <p:txEl>
+                                              <p:pRg st="3" end="3"/>
+                                            </p:txEl>
+                                          </p:spTgt>
+                                        </p:tgtEl>
+                                        <p:attrNameLst>
+                                          <p:attrName>ppt_c</p:attrName>
+                                        </p:attrNameLst>
+                                      </p:cBhvr>
+                                      <p:to>
+                                        <a:srgbClr val="B2B2B2"/>
+                                      </p:to>
+                                    </p:animClr>
+                                  </p:subTnLst>
+                                </p:cTn>
+                              </p:par>
+                            </p:childTnLst>
+                          </p:cTn>
+                        </p:par>
+                      </p:childTnLst>
+                    </p:cTn>
+                  </p:par>
                 </p:childTnLst>
               </p:cTn>
               <p:prevCondLst>
@@ -26675,14 +26842,6 @@
               <a:rPr lang="en-US" dirty="0">
                 <a:hlinkClick r:id="rId3"/>
               </a:rPr>
-              <a:t>https://docs.microsoft.com/en-us/aspnet/core/fundamentals/host/hosted-services?view=aspnetcore-3.1&amp;tabs=visual-studio</a:t>
-            </a:r>
-          </a:p>
-          <a:p>
-            <a:r>
-              <a:rPr lang="en-US" dirty="0">
-                <a:hlinkClick r:id="rId3"/>
-              </a:rPr>
               <a:t>https://docs.microsoft.com/en-us/dotnet/architecture/microservices/multi-container-microservice-net-applications/background-tasks-with-ihostedservice</a:t>
             </a:r>
             <a:endParaRPr lang="en-US" dirty="0"/>
@@ -26709,13 +26868,10 @@
             <a:endParaRPr lang="en-US" dirty="0"/>
           </a:p>
           <a:p>
-            <a:pPr lvl="1"/>
-            <a:r>
-              <a:rPr lang="en-US" dirty="0"/>
-              <a:t>Free this week!</a:t>
-            </a:r>
-          </a:p>
-          <a:p>
+            <a:r>
+              <a:rPr lang="en-US"/>
+              <a:t>This slide deck</a:t>
+            </a:r>
             <a:endParaRPr lang="en-US" dirty="0"/>
           </a:p>
         </p:txBody>

--- a/2021-04-01-TwinCitiesDotNetUserGroup-TheBackgroundOnBackgroundTasksInDotNetCore/The Background on Background Tasks.pptx
+++ b/2021-04-01-TwinCitiesDotNetUserGroup-TheBackgroundOnBackgroundTasksInDotNetCore/The Background on Background Tasks.pptx
@@ -237,7 +237,7 @@
           <a:p>
             <a:fld id="{8EBF47D1-607F-45EE-AE63-C10CF3AC8DD9}" type="datetimeFigureOut">
               <a:rPr lang="en-US" smtClean="0"/>
-              <a:t>3/31/2021</a:t>
+              <a:t>4/1/2021</a:t>
             </a:fld>
             <a:endParaRPr lang="en-US"/>
           </a:p>
@@ -4603,7 +4603,7 @@
           <a:p>
             <a:fld id="{A4BF2526-C75C-47BE-928B-0135A92A66BE}" type="datetimeFigureOut">
               <a:rPr lang="en-US" smtClean="0"/>
-              <a:t>3/31/2021</a:t>
+              <a:t>4/1/2021</a:t>
             </a:fld>
             <a:endParaRPr lang="en-US"/>
           </a:p>
@@ -4801,7 +4801,7 @@
           <a:p>
             <a:fld id="{A4BF2526-C75C-47BE-928B-0135A92A66BE}" type="datetimeFigureOut">
               <a:rPr lang="en-US" smtClean="0"/>
-              <a:t>3/31/2021</a:t>
+              <a:t>4/1/2021</a:t>
             </a:fld>
             <a:endParaRPr lang="en-US"/>
           </a:p>
@@ -5009,7 +5009,7 @@
           <a:p>
             <a:fld id="{A4BF2526-C75C-47BE-928B-0135A92A66BE}" type="datetimeFigureOut">
               <a:rPr lang="en-US" smtClean="0"/>
-              <a:t>3/31/2021</a:t>
+              <a:t>4/1/2021</a:t>
             </a:fld>
             <a:endParaRPr lang="en-US"/>
           </a:p>
@@ -5207,7 +5207,7 @@
           <a:p>
             <a:fld id="{A4BF2526-C75C-47BE-928B-0135A92A66BE}" type="datetimeFigureOut">
               <a:rPr lang="en-US" smtClean="0"/>
-              <a:t>3/31/2021</a:t>
+              <a:t>4/1/2021</a:t>
             </a:fld>
             <a:endParaRPr lang="en-US"/>
           </a:p>
@@ -5482,7 +5482,7 @@
           <a:p>
             <a:fld id="{A4BF2526-C75C-47BE-928B-0135A92A66BE}" type="datetimeFigureOut">
               <a:rPr lang="en-US" smtClean="0"/>
-              <a:t>3/31/2021</a:t>
+              <a:t>4/1/2021</a:t>
             </a:fld>
             <a:endParaRPr lang="en-US"/>
           </a:p>
@@ -5747,7 +5747,7 @@
           <a:p>
             <a:fld id="{A4BF2526-C75C-47BE-928B-0135A92A66BE}" type="datetimeFigureOut">
               <a:rPr lang="en-US" smtClean="0"/>
-              <a:t>3/31/2021</a:t>
+              <a:t>4/1/2021</a:t>
             </a:fld>
             <a:endParaRPr lang="en-US"/>
           </a:p>
@@ -6159,7 +6159,7 @@
           <a:p>
             <a:fld id="{A4BF2526-C75C-47BE-928B-0135A92A66BE}" type="datetimeFigureOut">
               <a:rPr lang="en-US" smtClean="0"/>
-              <a:t>3/31/2021</a:t>
+              <a:t>4/1/2021</a:t>
             </a:fld>
             <a:endParaRPr lang="en-US"/>
           </a:p>
@@ -6300,7 +6300,7 @@
           <a:p>
             <a:fld id="{A4BF2526-C75C-47BE-928B-0135A92A66BE}" type="datetimeFigureOut">
               <a:rPr lang="en-US" smtClean="0"/>
-              <a:t>3/31/2021</a:t>
+              <a:t>4/1/2021</a:t>
             </a:fld>
             <a:endParaRPr lang="en-US"/>
           </a:p>
@@ -6413,7 +6413,7 @@
           <a:p>
             <a:fld id="{A4BF2526-C75C-47BE-928B-0135A92A66BE}" type="datetimeFigureOut">
               <a:rPr lang="en-US" smtClean="0"/>
-              <a:t>3/31/2021</a:t>
+              <a:t>4/1/2021</a:t>
             </a:fld>
             <a:endParaRPr lang="en-US"/>
           </a:p>
@@ -6724,7 +6724,7 @@
           <a:p>
             <a:fld id="{A4BF2526-C75C-47BE-928B-0135A92A66BE}" type="datetimeFigureOut">
               <a:rPr lang="en-US" smtClean="0"/>
-              <a:t>3/31/2021</a:t>
+              <a:t>4/1/2021</a:t>
             </a:fld>
             <a:endParaRPr lang="en-US"/>
           </a:p>
@@ -7012,7 +7012,7 @@
           <a:p>
             <a:fld id="{A4BF2526-C75C-47BE-928B-0135A92A66BE}" type="datetimeFigureOut">
               <a:rPr lang="en-US" smtClean="0"/>
-              <a:t>3/31/2021</a:t>
+              <a:t>4/1/2021</a:t>
             </a:fld>
             <a:endParaRPr lang="en-US"/>
           </a:p>
@@ -7253,7 +7253,7 @@
           <a:p>
             <a:fld id="{A4BF2526-C75C-47BE-928B-0135A92A66BE}" type="datetimeFigureOut">
               <a:rPr lang="en-US" smtClean="0"/>
-              <a:t>3/31/2021</a:t>
+              <a:t>4/1/2021</a:t>
             </a:fld>
             <a:endParaRPr lang="en-US"/>
           </a:p>
@@ -26869,10 +26869,9 @@
           </a:p>
           <a:p>
             <a:r>
-              <a:rPr lang="en-US"/>
+              <a:rPr lang="en-US" dirty="0"/>
               <a:t>This slide deck</a:t>
             </a:r>
-            <a:endParaRPr lang="en-US" dirty="0"/>
           </a:p>
         </p:txBody>
       </p:sp>
